--- a/docs/diagrams/ListSequenceDiagram1.pptx
+++ b/docs/diagrams/ListSequenceDiagram1.pptx
@@ -208,7 +208,7 @@
           <a:p>
             <a:fld id="{F5CC4B3F-88C1-4FFA-B1B6-F41C21DC6924}" type="datetimeFigureOut">
               <a:rPr lang="en-US" smtClean="0"/>
-              <a:t>11/11/18</a:t>
+              <a:t>11/12/18</a:t>
             </a:fld>
             <a:endParaRPr lang="en-US"/>
           </a:p>
@@ -743,7 +743,7 @@
           <a:p>
             <a:fld id="{78C97017-6FC3-485B-9764-EAC9E56C1D49}" type="datetimeFigureOut">
               <a:rPr lang="en-US" smtClean="0"/>
-              <a:t>11/11/18</a:t>
+              <a:t>11/12/18</a:t>
             </a:fld>
             <a:endParaRPr lang="en-US"/>
           </a:p>
@@ -911,7 +911,7 @@
           <a:p>
             <a:fld id="{78C97017-6FC3-485B-9764-EAC9E56C1D49}" type="datetimeFigureOut">
               <a:rPr lang="en-US" smtClean="0"/>
-              <a:t>11/11/18</a:t>
+              <a:t>11/12/18</a:t>
             </a:fld>
             <a:endParaRPr lang="en-US"/>
           </a:p>
@@ -1089,7 +1089,7 @@
           <a:p>
             <a:fld id="{78C97017-6FC3-485B-9764-EAC9E56C1D49}" type="datetimeFigureOut">
               <a:rPr lang="en-US" smtClean="0"/>
-              <a:t>11/11/18</a:t>
+              <a:t>11/12/18</a:t>
             </a:fld>
             <a:endParaRPr lang="en-US"/>
           </a:p>
@@ -1257,7 +1257,7 @@
           <a:p>
             <a:fld id="{78C97017-6FC3-485B-9764-EAC9E56C1D49}" type="datetimeFigureOut">
               <a:rPr lang="en-US" smtClean="0"/>
-              <a:t>11/11/18</a:t>
+              <a:t>11/12/18</a:t>
             </a:fld>
             <a:endParaRPr lang="en-US"/>
           </a:p>
@@ -1502,7 +1502,7 @@
           <a:p>
             <a:fld id="{78C97017-6FC3-485B-9764-EAC9E56C1D49}" type="datetimeFigureOut">
               <a:rPr lang="en-US" smtClean="0"/>
-              <a:t>11/11/18</a:t>
+              <a:t>11/12/18</a:t>
             </a:fld>
             <a:endParaRPr lang="en-US"/>
           </a:p>
@@ -1787,7 +1787,7 @@
           <a:p>
             <a:fld id="{78C97017-6FC3-485B-9764-EAC9E56C1D49}" type="datetimeFigureOut">
               <a:rPr lang="en-US" smtClean="0"/>
-              <a:t>11/11/18</a:t>
+              <a:t>11/12/18</a:t>
             </a:fld>
             <a:endParaRPr lang="en-US"/>
           </a:p>
@@ -2206,7 +2206,7 @@
           <a:p>
             <a:fld id="{78C97017-6FC3-485B-9764-EAC9E56C1D49}" type="datetimeFigureOut">
               <a:rPr lang="en-US" smtClean="0"/>
-              <a:t>11/11/18</a:t>
+              <a:t>11/12/18</a:t>
             </a:fld>
             <a:endParaRPr lang="en-US"/>
           </a:p>
@@ -2323,7 +2323,7 @@
           <a:p>
             <a:fld id="{78C97017-6FC3-485B-9764-EAC9E56C1D49}" type="datetimeFigureOut">
               <a:rPr lang="en-US" smtClean="0"/>
-              <a:t>11/11/18</a:t>
+              <a:t>11/12/18</a:t>
             </a:fld>
             <a:endParaRPr lang="en-US"/>
           </a:p>
@@ -2418,7 +2418,7 @@
           <a:p>
             <a:fld id="{78C97017-6FC3-485B-9764-EAC9E56C1D49}" type="datetimeFigureOut">
               <a:rPr lang="en-US" smtClean="0"/>
-              <a:t>11/11/18</a:t>
+              <a:t>11/12/18</a:t>
             </a:fld>
             <a:endParaRPr lang="en-US"/>
           </a:p>
@@ -2693,7 +2693,7 @@
           <a:p>
             <a:fld id="{78C97017-6FC3-485B-9764-EAC9E56C1D49}" type="datetimeFigureOut">
               <a:rPr lang="en-US" smtClean="0"/>
-              <a:t>11/11/18</a:t>
+              <a:t>11/12/18</a:t>
             </a:fld>
             <a:endParaRPr lang="en-US"/>
           </a:p>
@@ -2945,7 +2945,7 @@
           <a:p>
             <a:fld id="{78C97017-6FC3-485B-9764-EAC9E56C1D49}" type="datetimeFigureOut">
               <a:rPr lang="en-US" smtClean="0"/>
-              <a:t>11/11/18</a:t>
+              <a:t>11/12/18</a:t>
             </a:fld>
             <a:endParaRPr lang="en-US"/>
           </a:p>
@@ -3156,7 +3156,7 @@
           <a:p>
             <a:fld id="{78C97017-6FC3-485B-9764-EAC9E56C1D49}" type="datetimeFigureOut">
               <a:rPr lang="en-US" smtClean="0"/>
-              <a:t>11/11/18</a:t>
+              <a:t>11/12/18</a:t>
             </a:fld>
             <a:endParaRPr lang="en-US"/>
           </a:p>
@@ -3912,8 +3912,8 @@
         </p:nvCxnSpPr>
         <p:spPr>
           <a:xfrm>
-            <a:off x="3807195" y="2429812"/>
-            <a:ext cx="0" cy="3818588"/>
+            <a:off x="3807195" y="2429816"/>
+            <a:ext cx="0" cy="3681089"/>
           </a:xfrm>
           <a:prstGeom prst="line">
             <a:avLst/>
@@ -4032,8 +4032,8 @@
         </p:nvSpPr>
         <p:spPr>
           <a:xfrm>
-            <a:off x="-2410912" y="1818183"/>
-            <a:ext cx="1424846" cy="215444"/>
+            <a:off x="-2567846" y="1828800"/>
+            <a:ext cx="1577246" cy="215444"/>
           </a:xfrm>
           <a:prstGeom prst="rect">
             <a:avLst/>
@@ -4053,7 +4053,7 @@
                   <a:srgbClr val="0070C0"/>
                 </a:solidFill>
               </a:rPr>
-              <a:t>execute(“… list …”)</a:t>
+              <a:t>execute(“…list…”)</a:t>
             </a:r>
           </a:p>
         </p:txBody>
@@ -4104,8 +4104,8 @@
         </p:nvSpPr>
         <p:spPr>
           <a:xfrm>
-            <a:off x="2258133" y="3311134"/>
-            <a:ext cx="855809" cy="215444"/>
+            <a:off x="2211582" y="3327456"/>
+            <a:ext cx="912618" cy="215444"/>
           </a:xfrm>
           <a:prstGeom prst="rect">
             <a:avLst/>
@@ -4279,7 +4279,7 @@
         </p:nvSpPr>
         <p:spPr>
           <a:xfrm>
-            <a:off x="-804477" y="1944258"/>
+            <a:off x="-842441" y="1944258"/>
             <a:ext cx="2214041" cy="215444"/>
           </a:xfrm>
           <a:prstGeom prst="rect">
@@ -4310,7 +4310,7 @@
             </a:r>
             <a:r>
               <a:rPr lang="en-US" dirty="0"/>
-              <a:t>(“… list …”)</a:t>
+              <a:t>(“…list…”)</a:t>
             </a:r>
           </a:p>
         </p:txBody>
@@ -4675,7 +4675,7 @@
         </p:nvCxnSpPr>
         <p:spPr>
           <a:xfrm>
-            <a:off x="6090797" y="3822751"/>
+            <a:off x="6343278" y="3822751"/>
             <a:ext cx="0" cy="435319"/>
           </a:xfrm>
           <a:prstGeom prst="line">
@@ -4718,7 +4718,7 @@
         </p:nvSpPr>
         <p:spPr>
           <a:xfrm>
-            <a:off x="6014597" y="3822751"/>
+            <a:off x="6267078" y="3822751"/>
             <a:ext cx="152400" cy="276003"/>
           </a:xfrm>
           <a:prstGeom prst="rect">
@@ -4771,7 +4771,7 @@
         </p:nvSpPr>
         <p:spPr>
           <a:xfrm>
-            <a:off x="5499884" y="3436914"/>
+            <a:off x="5752365" y="3436914"/>
             <a:ext cx="1181835" cy="461538"/>
           </a:xfrm>
           <a:prstGeom prst="rect">
@@ -4854,8 +4854,8 @@
         </p:nvCxnSpPr>
         <p:spPr>
           <a:xfrm>
-            <a:off x="3873303" y="3667683"/>
-            <a:ext cx="1626581" cy="0"/>
+            <a:off x="3867014" y="3667683"/>
+            <a:ext cx="1885351" cy="0"/>
           </a:xfrm>
           <a:prstGeom prst="straightConnector1">
             <a:avLst/>
@@ -4896,7 +4896,7 @@
         </p:nvSpPr>
         <p:spPr>
           <a:xfrm>
-            <a:off x="3747377" y="2758319"/>
+            <a:off x="3886200" y="2758319"/>
             <a:ext cx="1665690" cy="861774"/>
           </a:xfrm>
           <a:prstGeom prst="rect">
@@ -4964,8 +4964,8 @@
         </p:nvCxnSpPr>
         <p:spPr>
           <a:xfrm>
-            <a:off x="3873299" y="4090561"/>
-            <a:ext cx="2217498" cy="8193"/>
+            <a:off x="3912290" y="4081144"/>
+            <a:ext cx="2430988" cy="17610"/>
           </a:xfrm>
           <a:prstGeom prst="straightConnector1">
             <a:avLst/>
@@ -5011,7 +5011,7 @@
         </p:nvCxnSpPr>
         <p:spPr>
           <a:xfrm>
-            <a:off x="7550581" y="4813468"/>
+            <a:off x="8001000" y="4813468"/>
             <a:ext cx="0" cy="489566"/>
           </a:xfrm>
           <a:prstGeom prst="line">
@@ -5054,7 +5054,7 @@
         </p:nvSpPr>
         <p:spPr>
           <a:xfrm>
-            <a:off x="7474381" y="4813472"/>
+            <a:off x="7924800" y="4813472"/>
             <a:ext cx="152400" cy="276003"/>
           </a:xfrm>
           <a:prstGeom prst="rect">
@@ -5107,7 +5107,7 @@
         </p:nvSpPr>
         <p:spPr>
           <a:xfrm>
-            <a:off x="6909496" y="4245448"/>
+            <a:off x="7301060" y="4191000"/>
             <a:ext cx="1385740" cy="661836"/>
           </a:xfrm>
           <a:prstGeom prst="rect">
@@ -5169,13 +5169,14 @@
           </p:cNvPr>
           <p:cNvCxnSpPr>
             <a:cxnSpLocks/>
+            <a:endCxn id="78" idx="1"/>
           </p:cNvCxnSpPr>
           <p:nvPr/>
         </p:nvCxnSpPr>
         <p:spPr>
           <a:xfrm>
-            <a:off x="3807199" y="4527878"/>
-            <a:ext cx="3102301" cy="0"/>
+            <a:off x="3867014" y="4521918"/>
+            <a:ext cx="3434046" cy="0"/>
           </a:xfrm>
           <a:prstGeom prst="straightConnector1">
             <a:avLst/>
@@ -5216,8 +5217,8 @@
         </p:nvSpPr>
         <p:spPr>
           <a:xfrm>
-            <a:off x="3902411" y="4069880"/>
-            <a:ext cx="2842899" cy="430887"/>
+            <a:off x="3733800" y="4038600"/>
+            <a:ext cx="3332542" cy="430887"/>
           </a:xfrm>
           <a:prstGeom prst="rect">
             <a:avLst/>
@@ -5243,8 +5244,11 @@
           <a:p>
             <a:r>
               <a:rPr lang="en-US" dirty="0"/>
-              <a:t>new </a:t>
-            </a:r>
+              <a:t>new</a:t>
+            </a:r>
+            <a:br>
+              <a:rPr lang="en-US" dirty="0"/>
+            </a:br>
             <a:r>
               <a:rPr lang="en-US" dirty="0" err="1"/>
               <a:t>ContactContainsKeywordsPredicate</a:t>
@@ -5273,7 +5277,7 @@
         <p:spPr>
           <a:xfrm>
             <a:off x="3894007" y="5089471"/>
-            <a:ext cx="3580374" cy="0"/>
+            <a:ext cx="4048138" cy="4"/>
           </a:xfrm>
           <a:prstGeom prst="straightConnector1">
             <a:avLst/>
@@ -5426,7 +5430,7 @@
         </p:nvSpPr>
         <p:spPr>
           <a:xfrm>
-            <a:off x="4414159" y="5143979"/>
+            <a:off x="4548501" y="5143979"/>
             <a:ext cx="2842899" cy="215444"/>
           </a:xfrm>
           <a:prstGeom prst="rect">
@@ -5633,7 +5637,7 @@
         </p:nvSpPr>
         <p:spPr>
           <a:xfrm>
-            <a:off x="3677993" y="6195081"/>
+            <a:off x="3677993" y="6062990"/>
             <a:ext cx="258404" cy="261610"/>
           </a:xfrm>
           <a:prstGeom prst="rect">

--- a/docs/diagrams/ListSequenceDiagram1.pptx
+++ b/docs/diagrams/ListSequenceDiagram1.pptx
@@ -3539,8 +3539,8 @@
         </p:nvSpPr>
         <p:spPr>
           <a:xfrm>
-            <a:off x="-2410912" y="990600"/>
-            <a:ext cx="12469312" cy="5439646"/>
+            <a:off x="-1828800" y="990600"/>
+            <a:ext cx="11887200" cy="5439646"/>
           </a:xfrm>
           <a:prstGeom prst="roundRect">
             <a:avLst>
